--- a/.production/template.pptx
+++ b/.production/template.pptx
@@ -165,41 +165,6 @@
             <a:chExt cx="11734801" cy="6013450"/>
           </a:xfrm>
         </p:grpSpPr>
-        <p:sp>
-          <p:nvSpPr>
-            <p:cNvPr id="19" name="Azure">
-              <a:extLst>
-                <a:ext uri="{FF2B5EF4-FFF2-40B4-BE49-F238E27FC236}">
-                  <a16:creationId xmlns:a16="http://schemas.microsoft.com/office/drawing/2014/main" id="{F96A3B00-E57B-4D1C-9DF0-FDEB63488325}"/>
-                </a:ext>
-              </a:extLst>
-            </p:cNvPr>
-            <p:cNvSpPr txBox="1"/>
-            <p:nvPr userDrawn="1"/>
-          </p:nvSpPr>
-          <p:spPr>
-            <a:xfrm>
-              <a:off x="10830643" y="425961"/>
-              <a:ext cx="904157" cy="430887"/>
-            </a:xfrm>
-            <a:prstGeom prst="rect">
-              <a:avLst/>
-            </a:prstGeom>
-          </p:spPr>
-          <p:txBody>
-            <a:bodyPr wrap="none" lIns="0" tIns="0" rIns="0" bIns="0" rtlCol="0" anchor="t" anchorCtr="0">
-              <a:spAutoFit/>
-            </a:bodyPr>
-            <a:lstStyle/>
-            <a:p>
-              <a:pPr algn="r"/>
-              <a:r>
-                <a:rPr lang="en-US" sz="2800" dirty="0"/>
-                <a:t>Azure</a:t>
-              </a:r>
-            </a:p>
-          </p:txBody>
-        </p:sp>
         <p:grpSp>
           <p:nvGrpSpPr>
             <p:cNvPr id="4" name="Microsoft Logo">
@@ -1216,6 +1181,41 @@
             </p:txBody>
           </p:sp>
         </p:grpSp>
+        <p:sp>
+          <p:nvSpPr>
+            <p:cNvPr id="19" name="Azure">
+              <a:extLst>
+                <a:ext uri="{FF2B5EF4-FFF2-40B4-BE49-F238E27FC236}">
+                  <a16:creationId xmlns:a16="http://schemas.microsoft.com/office/drawing/2014/main" id="{F96A3B00-E57B-4D1C-9DF0-FDEB63488325}"/>
+                </a:ext>
+              </a:extLst>
+            </p:cNvPr>
+            <p:cNvSpPr txBox="1"/>
+            <p:nvPr userDrawn="1"/>
+          </p:nvSpPr>
+          <p:spPr>
+            <a:xfrm>
+              <a:off x="10830643" y="425961"/>
+              <a:ext cx="904157" cy="430887"/>
+            </a:xfrm>
+            <a:prstGeom prst="rect">
+              <a:avLst/>
+            </a:prstGeom>
+          </p:spPr>
+          <p:txBody>
+            <a:bodyPr wrap="none" lIns="0" tIns="0" rIns="0" bIns="0" rtlCol="0" anchor="t" anchorCtr="0">
+              <a:spAutoFit/>
+            </a:bodyPr>
+            <a:lstStyle/>
+            <a:p>
+              <a:pPr algn="r"/>
+              <a:r>
+                <a:rPr lang="en-US" sz="2800" dirty="0"/>
+                <a:t>Azure</a:t>
+              </a:r>
+            </a:p>
+          </p:txBody>
+        </p:sp>
       </p:grpSp>
       <p:sp>
         <p:nvSpPr>
